--- a/DocumentationAndPresentation/44663-01_WS02_UnitTests.pptx
+++ b/DocumentationAndPresentation/44663-01_WS02_UnitTests.pptx
@@ -43,15 +43,15 @@
       <p:boldItalic r:id="rId29"/>
     </p:embeddedFont>
     <p:embeddedFont>
-      <p:font typeface="Old Standard TT" panose="020B0604020202020204" charset="0"/>
+      <p:font typeface="Gill Sans" panose="020B0604020202020204" charset="0"/>
       <p:regular r:id="rId30"/>
       <p:bold r:id="rId31"/>
-      <p:italic r:id="rId32"/>
     </p:embeddedFont>
     <p:embeddedFont>
-      <p:font typeface="Gill Sans" panose="020B0604020202020204" charset="0"/>
-      <p:regular r:id="rId33"/>
-      <p:bold r:id="rId34"/>
+      <p:font typeface="Old Standard TT" panose="020B0604020202020204" charset="0"/>
+      <p:regular r:id="rId32"/>
+      <p:bold r:id="rId33"/>
+      <p:italic r:id="rId34"/>
     </p:embeddedFont>
   </p:embeddedFontLst>
   <p:defaultTextStyle>
@@ -283,6 +283,11 @@
       </a:defRPr>
     </a:lvl9pPr>
   </p:defaultTextStyle>
+  <p:extLst>
+    <p:ext uri="{EFAFB233-063F-42B5-8137-9DF3F51BA10A}">
+      <p15:sldGuideLst xmlns:p15="http://schemas.microsoft.com/office/powerpoint/2012/main"/>
+    </p:ext>
+  </p:extLst>
 </p:presentation>
 </file>
 
@@ -1774,14 +1779,150 @@
               <a:buNone/>
             </a:pPr>
             <a:r>
-              <a:rPr lang="en-US" sz="1200">
+              <a:rPr lang="en-US" sz="1200" dirty="0">
                 <a:solidFill>
                   <a:srgbClr val="000000"/>
                 </a:solidFill>
+                <a:latin typeface="Times New Roman" panose="02020603050405020304" pitchFamily="18" charset="0"/>
+                <a:cs typeface="Times New Roman" panose="02020603050405020304" pitchFamily="18" charset="0"/>
               </a:rPr>
-              <a:t>© Copyright Showeet.com – Creative &amp; Free PowerPoint Templates</a:t>
+              <a:t>© Copyright Showeet.com – Creative &amp; Free PowerPoint </a:t>
             </a:r>
-            <a:endParaRPr/>
+            <a:r>
+              <a:rPr lang="en-US" sz="1200" dirty="0" smtClean="0">
+                <a:solidFill>
+                  <a:srgbClr val="000000"/>
+                </a:solidFill>
+                <a:latin typeface="Times New Roman" panose="02020603050405020304" pitchFamily="18" charset="0"/>
+                <a:cs typeface="Times New Roman" panose="02020603050405020304" pitchFamily="18" charset="0"/>
+              </a:rPr>
+              <a:t>Templates</a:t>
+            </a:r>
+          </a:p>
+          <a:p>
+            <a:pPr marL="0" lvl="0" indent="0" algn="l" rtl="0">
+              <a:spcBef>
+                <a:spcPts val="0"/>
+              </a:spcBef>
+              <a:spcAft>
+                <a:spcPts val="0"/>
+              </a:spcAft>
+              <a:buNone/>
+            </a:pPr>
+            <a:r>
+              <a:rPr lang="en-US" dirty="0" smtClean="0">
+                <a:latin typeface="Times New Roman" panose="02020603050405020304" pitchFamily="18" charset="0"/>
+                <a:cs typeface="Times New Roman" panose="02020603050405020304" pitchFamily="18" charset="0"/>
+              </a:rPr>
+              <a:t>-. After unit testing, there are lots issues left in the software.</a:t>
+            </a:r>
+          </a:p>
+          <a:p>
+            <a:pPr marL="0" lvl="0" indent="0" algn="l" rtl="0">
+              <a:spcBef>
+                <a:spcPts val="0"/>
+              </a:spcBef>
+              <a:spcAft>
+                <a:spcPts val="0"/>
+              </a:spcAft>
+              <a:buNone/>
+            </a:pPr>
+            <a:r>
+              <a:rPr lang="en-US" dirty="0" smtClean="0">
+                <a:latin typeface="Times New Roman" panose="02020603050405020304" pitchFamily="18" charset="0"/>
+                <a:cs typeface="Times New Roman" panose="02020603050405020304" pitchFamily="18" charset="0"/>
+              </a:rPr>
+              <a:t>-</a:t>
+            </a:r>
+            <a:r>
+              <a:rPr lang="en-US" sz="1200" b="0" i="0" u="none" strike="noStrike" cap="none" dirty="0" smtClean="0">
+                <a:solidFill>
+                  <a:schemeClr val="dk1"/>
+                </a:solidFill>
+                <a:effectLst/>
+                <a:latin typeface="Times New Roman" panose="02020603050405020304" pitchFamily="18" charset="0"/>
+                <a:ea typeface="Calibri"/>
+                <a:cs typeface="Times New Roman" panose="02020603050405020304" pitchFamily="18" charset="0"/>
+                <a:sym typeface="Calibri"/>
+              </a:rPr>
+              <a:t>We have to run all test case and scenarios.</a:t>
+            </a:r>
+          </a:p>
+          <a:p>
+            <a:pPr marL="0" lvl="0" indent="0" algn="l" rtl="0">
+              <a:spcBef>
+                <a:spcPts val="0"/>
+              </a:spcBef>
+              <a:spcAft>
+                <a:spcPts val="0"/>
+              </a:spcAft>
+              <a:buNone/>
+            </a:pPr>
+            <a:r>
+              <a:rPr lang="en-US" sz="1200" b="0" i="0" u="none" strike="noStrike" cap="none" dirty="0" smtClean="0">
+                <a:solidFill>
+                  <a:schemeClr val="dk1"/>
+                </a:solidFill>
+                <a:effectLst/>
+                <a:latin typeface="Times New Roman" panose="02020603050405020304" pitchFamily="18" charset="0"/>
+                <a:cs typeface="Times New Roman" panose="02020603050405020304" pitchFamily="18" charset="0"/>
+                <a:sym typeface="Calibri"/>
+              </a:rPr>
+              <a:t>-</a:t>
+            </a:r>
+            <a:r>
+              <a:rPr lang="en-US" sz="1200" b="0" i="0" u="none" strike="noStrike" cap="none" dirty="0" smtClean="0">
+                <a:solidFill>
+                  <a:schemeClr val="dk1"/>
+                </a:solidFill>
+                <a:effectLst/>
+                <a:latin typeface="Times New Roman" panose="02020603050405020304" pitchFamily="18" charset="0"/>
+                <a:ea typeface="Calibri"/>
+                <a:cs typeface="Times New Roman" panose="02020603050405020304" pitchFamily="18" charset="0"/>
+                <a:sym typeface="Calibri"/>
+              </a:rPr>
+              <a:t>By unit test testing we run few modules on few software.</a:t>
+            </a:r>
+          </a:p>
+          <a:p>
+            <a:pPr marL="0" lvl="0" indent="0" algn="l" rtl="0">
+              <a:spcBef>
+                <a:spcPts val="0"/>
+              </a:spcBef>
+              <a:spcAft>
+                <a:spcPts val="0"/>
+              </a:spcAft>
+              <a:buNone/>
+            </a:pPr>
+            <a:r>
+              <a:rPr lang="en-US" sz="1200" b="0" i="0" u="none" strike="noStrike" cap="none" dirty="0" smtClean="0">
+                <a:solidFill>
+                  <a:schemeClr val="dk1"/>
+                </a:solidFill>
+                <a:effectLst/>
+                <a:latin typeface="Times New Roman" panose="02020603050405020304" pitchFamily="18" charset="0"/>
+                <a:cs typeface="Times New Roman" panose="02020603050405020304" pitchFamily="18" charset="0"/>
+                <a:sym typeface="Calibri"/>
+              </a:rPr>
+              <a:t>-</a:t>
+            </a:r>
+            <a:r>
+              <a:rPr lang="en-US" sz="1200" b="0" i="0" u="none" strike="noStrike" cap="none" dirty="0" smtClean="0">
+                <a:solidFill>
+                  <a:schemeClr val="dk1"/>
+                </a:solidFill>
+                <a:effectLst/>
+                <a:latin typeface="Times New Roman" panose="02020603050405020304" pitchFamily="18" charset="0"/>
+                <a:ea typeface="Calibri"/>
+                <a:cs typeface="Times New Roman" panose="02020603050405020304" pitchFamily="18" charset="0"/>
+                <a:sym typeface="Calibri"/>
+              </a:rPr>
+              <a:t>Therefore, it will not catch integration errors or broader system-level errors </a:t>
+            </a:r>
+            <a:endParaRPr dirty="0">
+              <a:latin typeface="Times New Roman" panose="02020603050405020304" pitchFamily="18" charset="0"/>
+              <a:cs typeface="Times New Roman" panose="02020603050405020304" pitchFamily="18" charset="0"/>
+            </a:endParaRPr>
           </a:p>
         </p:txBody>
       </p:sp>
@@ -33421,7 +33562,7 @@
         </p:nvSpPr>
         <p:spPr>
           <a:xfrm>
-            <a:off x="1120025" y="1802000"/>
+            <a:off x="1074150" y="900964"/>
             <a:ext cx="6995700" cy="4272300"/>
           </a:xfrm>
           <a:prstGeom prst="rect">
@@ -33438,16 +33579,10 @@
           </a:bodyPr>
           <a:lstStyle/>
           <a:p>
-            <a:pPr marL="457200" lvl="0" indent="-381000" algn="l" rtl="0">
+            <a:pPr marL="457200" indent="-381000">
               <a:lnSpc>
                 <a:spcPct val="200000"/>
               </a:lnSpc>
-              <a:spcBef>
-                <a:spcPts val="0"/>
-              </a:spcBef>
-              <a:spcAft>
-                <a:spcPts val="0"/>
-              </a:spcAft>
               <a:buClr>
                 <a:srgbClr val="434343"/>
               </a:buClr>
@@ -33456,38 +33591,18 @@
               <a:buChar char="●"/>
             </a:pPr>
             <a:r>
-              <a:rPr lang="en-US" sz="2400">
-                <a:solidFill>
-                  <a:srgbClr val="434343"/>
-                </a:solidFill>
-                <a:latin typeface="Calibri"/>
-                <a:ea typeface="Calibri"/>
-                <a:cs typeface="Calibri"/>
-                <a:sym typeface="Calibri"/>
+              <a:rPr lang="en-US" sz="2400" dirty="0">
+                <a:latin typeface="Times New Roman" panose="02020603050405020304" pitchFamily="18" charset="0"/>
+                <a:cs typeface="Times New Roman" panose="02020603050405020304" pitchFamily="18" charset="0"/>
               </a:rPr>
-              <a:t>Shows just the presence of errors</a:t>
+              <a:t>Testing cannot catch each and every bug in an application</a:t>
             </a:r>
-            <a:endParaRPr sz="2400">
-              <a:solidFill>
-                <a:srgbClr val="434343"/>
-              </a:solidFill>
-              <a:latin typeface="Calibri"/>
-              <a:ea typeface="Calibri"/>
-              <a:cs typeface="Calibri"/>
-              <a:sym typeface="Calibri"/>
-            </a:endParaRPr>
           </a:p>
           <a:p>
-            <a:pPr marL="457200" lvl="0" indent="-381000" algn="l" rtl="0">
+            <a:pPr marL="457200" lvl="0" indent="-381000">
               <a:lnSpc>
                 <a:spcPct val="200000"/>
               </a:lnSpc>
-              <a:spcBef>
-                <a:spcPts val="0"/>
-              </a:spcBef>
-              <a:spcAft>
-                <a:spcPts val="0"/>
-              </a:spcAft>
               <a:buClr>
                 <a:srgbClr val="434343"/>
               </a:buClr>
@@ -33496,26 +33611,19 @@
               <a:buChar char="●"/>
             </a:pPr>
             <a:r>
-              <a:rPr lang="en-US" sz="2400">
-                <a:solidFill>
-                  <a:srgbClr val="434343"/>
-                </a:solidFill>
-                <a:latin typeface="Calibri"/>
-                <a:ea typeface="Calibri"/>
-                <a:cs typeface="Calibri"/>
-                <a:sym typeface="Calibri"/>
+              <a:rPr lang="en-US" sz="2400" dirty="0">
+                <a:latin typeface="Times New Roman" panose="02020603050405020304" pitchFamily="18" charset="0"/>
+                <a:cs typeface="Times New Roman" panose="02020603050405020304" pitchFamily="18" charset="0"/>
               </a:rPr>
-              <a:t>Tests only the functionality of units</a:t>
+              <a:t>Unit testing does not show the absence of errors</a:t>
             </a:r>
-            <a:endParaRPr sz="2400">
-              <a:solidFill>
-                <a:srgbClr val="434343"/>
-              </a:solidFill>
-              <a:latin typeface="Calibri"/>
-              <a:ea typeface="Calibri"/>
-              <a:cs typeface="Calibri"/>
-              <a:sym typeface="Calibri"/>
-            </a:endParaRPr>
+            <a:r>
+              <a:rPr lang="en-US" sz="2400" dirty="0" smtClean="0">
+                <a:latin typeface="Times New Roman" panose="02020603050405020304" pitchFamily="18" charset="0"/>
+                <a:cs typeface="Times New Roman" panose="02020603050405020304" pitchFamily="18" charset="0"/>
+              </a:rPr>
+              <a:t>.</a:t>
+            </a:r>
           </a:p>
           <a:p>
             <a:pPr marL="457200" lvl="0" indent="-381000" algn="l" rtl="0">
@@ -33536,38 +33644,47 @@
               <a:buChar char="●"/>
             </a:pPr>
             <a:r>
-              <a:rPr lang="en-US" sz="2400">
+              <a:rPr lang="en-US" sz="2400" dirty="0" smtClean="0">
                 <a:solidFill>
                   <a:srgbClr val="434343"/>
                 </a:solidFill>
-                <a:latin typeface="Calibri"/>
+                <a:latin typeface="Times New Roman" panose="02020603050405020304" pitchFamily="18" charset="0"/>
                 <a:ea typeface="Calibri"/>
-                <a:cs typeface="Calibri"/>
+                <a:cs typeface="Times New Roman" panose="02020603050405020304" pitchFamily="18" charset="0"/>
                 <a:sym typeface="Calibri"/>
               </a:rPr>
-              <a:t>Every execution path is impossible to evaluate</a:t>
+              <a:t>Every </a:t>
             </a:r>
-            <a:endParaRPr sz="2400">
-              <a:solidFill>
-                <a:srgbClr val="434343"/>
-              </a:solidFill>
-              <a:latin typeface="Calibri"/>
-              <a:ea typeface="Calibri"/>
-              <a:cs typeface="Calibri"/>
-              <a:sym typeface="Calibri"/>
-            </a:endParaRPr>
+            <a:r>
+              <a:rPr lang="en-US" sz="2400" dirty="0">
+                <a:solidFill>
+                  <a:srgbClr val="434343"/>
+                </a:solidFill>
+                <a:latin typeface="Times New Roman" panose="02020603050405020304" pitchFamily="18" charset="0"/>
+                <a:ea typeface="Calibri"/>
+                <a:cs typeface="Times New Roman" panose="02020603050405020304" pitchFamily="18" charset="0"/>
+                <a:sym typeface="Calibri"/>
+              </a:rPr>
+              <a:t>execution path is impossible to </a:t>
+            </a:r>
+            <a:r>
+              <a:rPr lang="en-US" sz="2400" dirty="0" smtClean="0">
+                <a:solidFill>
+                  <a:srgbClr val="434343"/>
+                </a:solidFill>
+                <a:latin typeface="Times New Roman" panose="02020603050405020304" pitchFamily="18" charset="0"/>
+                <a:ea typeface="Calibri"/>
+                <a:cs typeface="Times New Roman" panose="02020603050405020304" pitchFamily="18" charset="0"/>
+                <a:sym typeface="Calibri"/>
+              </a:rPr>
+              <a:t>evaluate</a:t>
+            </a:r>
           </a:p>
           <a:p>
-            <a:pPr marL="457200" lvl="0" indent="-381000" algn="l" rtl="0">
+            <a:pPr marL="457200" indent="-381000">
               <a:lnSpc>
                 <a:spcPct val="200000"/>
               </a:lnSpc>
-              <a:spcBef>
-                <a:spcPts val="0"/>
-              </a:spcBef>
-              <a:spcAft>
-                <a:spcPts val="0"/>
-              </a:spcAft>
               <a:buClr>
                 <a:srgbClr val="434343"/>
               </a:buClr>
@@ -33576,26 +33693,17 @@
               <a:buChar char="●"/>
             </a:pPr>
             <a:r>
-              <a:rPr lang="en-US" sz="2400">
+              <a:rPr lang="en-US" sz="2400" dirty="0">
                 <a:solidFill>
                   <a:srgbClr val="434343"/>
                 </a:solidFill>
-                <a:latin typeface="Calibri"/>
+                <a:latin typeface="Times New Roman" panose="02020603050405020304" pitchFamily="18" charset="0"/>
                 <a:ea typeface="Calibri"/>
-                <a:cs typeface="Calibri"/>
+                <a:cs typeface="Times New Roman" panose="02020603050405020304" pitchFamily="18" charset="0"/>
                 <a:sym typeface="Calibri"/>
               </a:rPr>
-              <a:t>Combinatorial Problem</a:t>
+              <a:t>Tests only the functionality of units</a:t>
             </a:r>
-            <a:endParaRPr sz="2400">
-              <a:solidFill>
-                <a:srgbClr val="434343"/>
-              </a:solidFill>
-              <a:latin typeface="Calibri"/>
-              <a:ea typeface="Calibri"/>
-              <a:cs typeface="Calibri"/>
-              <a:sym typeface="Calibri"/>
-            </a:endParaRPr>
           </a:p>
           <a:p>
             <a:pPr marL="457200" lvl="0" indent="-381000" algn="l" rtl="0">
@@ -33616,24 +33724,24 @@
               <a:buChar char="●"/>
             </a:pPr>
             <a:r>
-              <a:rPr lang="en-US" sz="2400">
+              <a:rPr lang="en-US" sz="2400" dirty="0" smtClean="0">
                 <a:solidFill>
                   <a:srgbClr val="434343"/>
                 </a:solidFill>
-                <a:latin typeface="Calibri"/>
+                <a:latin typeface="Times New Roman" panose="02020603050405020304" pitchFamily="18" charset="0"/>
                 <a:ea typeface="Calibri"/>
-                <a:cs typeface="Calibri"/>
+                <a:cs typeface="Times New Roman" panose="02020603050405020304" pitchFamily="18" charset="0"/>
                 <a:sym typeface="Calibri"/>
               </a:rPr>
-              <a:t>Version Control System</a:t>
+              <a:t>Testers needs to understand complete code</a:t>
             </a:r>
-            <a:endParaRPr sz="2400">
+            <a:endParaRPr sz="2400" dirty="0">
               <a:solidFill>
                 <a:srgbClr val="434343"/>
               </a:solidFill>
-              <a:latin typeface="Calibri"/>
+              <a:latin typeface="Times New Roman" panose="02020603050405020304" pitchFamily="18" charset="0"/>
               <a:ea typeface="Calibri"/>
-              <a:cs typeface="Calibri"/>
+              <a:cs typeface="Times New Roman" panose="02020603050405020304" pitchFamily="18" charset="0"/>
               <a:sym typeface="Calibri"/>
             </a:endParaRPr>
           </a:p>
@@ -43151,7 +43259,7 @@
           <a:p>
             <a:pPr marL="457200" lvl="0" indent="-381000" algn="just" rtl="0">
               <a:lnSpc>
-                <a:spcPct val="90000"/>
+                <a:spcPct val="120000"/>
               </a:lnSpc>
               <a:spcBef>
                 <a:spcPts val="0"/>
@@ -43163,15 +43271,15 @@
               <a:buChar char="•"/>
             </a:pPr>
             <a:r>
-              <a:rPr lang="en-US"/>
+              <a:rPr lang="en-US" dirty="0"/>
               <a:t>Unit testing can increase confidence and certainty in changing and maintaining code in the development process</a:t>
             </a:r>
-            <a:endParaRPr/>
+            <a:endParaRPr dirty="0"/>
           </a:p>
           <a:p>
             <a:pPr marL="457200" lvl="0" indent="-381000" algn="just" rtl="0">
               <a:lnSpc>
-                <a:spcPct val="90000"/>
+                <a:spcPct val="120000"/>
               </a:lnSpc>
               <a:spcBef>
                 <a:spcPts val="1000"/>
@@ -43183,15 +43291,15 @@
               <a:buChar char="•"/>
             </a:pPr>
             <a:r>
-              <a:rPr lang="en-US"/>
+              <a:rPr lang="en-US" dirty="0"/>
               <a:t>Unit testing always has the ability to find problems in early stages in the development cycle</a:t>
             </a:r>
-            <a:endParaRPr/>
+            <a:endParaRPr dirty="0"/>
           </a:p>
           <a:p>
             <a:pPr marL="457200" lvl="0" indent="-381000" algn="just" rtl="0">
               <a:lnSpc>
-                <a:spcPct val="90000"/>
+                <a:spcPct val="120000"/>
               </a:lnSpc>
               <a:spcBef>
                 <a:spcPts val="1000"/>
@@ -43203,15 +43311,15 @@
               <a:buChar char="•"/>
             </a:pPr>
             <a:r>
-              <a:rPr lang="en-US"/>
+              <a:rPr lang="en-US" dirty="0"/>
               <a:t>Codes are more reusable, reliable and clean</a:t>
             </a:r>
-            <a:endParaRPr/>
+            <a:endParaRPr dirty="0"/>
           </a:p>
           <a:p>
             <a:pPr marL="457200" lvl="0" indent="-381000" algn="just" rtl="0">
               <a:lnSpc>
-                <a:spcPct val="90000"/>
+                <a:spcPct val="120000"/>
               </a:lnSpc>
               <a:spcBef>
                 <a:spcPts val="1000"/>
@@ -43223,15 +43331,15 @@
               <a:buChar char="•"/>
             </a:pPr>
             <a:r>
-              <a:rPr lang="en-US"/>
+              <a:rPr lang="en-US" dirty="0"/>
               <a:t>Development becomes faster</a:t>
             </a:r>
-            <a:endParaRPr/>
+            <a:endParaRPr dirty="0"/>
           </a:p>
           <a:p>
             <a:pPr marL="457200" lvl="0" indent="-381000" algn="just" rtl="0">
               <a:lnSpc>
-                <a:spcPct val="90000"/>
+                <a:spcPct val="120000"/>
               </a:lnSpc>
               <a:spcBef>
                 <a:spcPts val="1000"/>
@@ -43243,10 +43351,10 @@
               <a:buChar char="•"/>
             </a:pPr>
             <a:r>
-              <a:rPr lang="en-US"/>
+              <a:rPr lang="en-US" dirty="0"/>
               <a:t>Easy to automate</a:t>
             </a:r>
-            <a:endParaRPr/>
+            <a:endParaRPr dirty="0"/>
           </a:p>
         </p:txBody>
       </p:sp>
@@ -44644,7 +44752,7 @@
               <a:buChar char="●"/>
             </a:pPr>
             <a:r>
-              <a:rPr lang="en-US" sz="2400">
+              <a:rPr lang="en-US" sz="2400" dirty="0" smtClean="0">
                 <a:solidFill>
                   <a:srgbClr val="434343"/>
                 </a:solidFill>
@@ -44653,9 +44761,21 @@
                 <a:cs typeface="Calibri"/>
                 <a:sym typeface="Calibri"/>
               </a:rPr>
-              <a:t>Bugs Prevention</a:t>
+              <a:t>Early Detection/Bugs </a:t>
             </a:r>
-            <a:endParaRPr sz="2400">
+            <a:r>
+              <a:rPr lang="en-US" sz="2400" dirty="0">
+                <a:solidFill>
+                  <a:srgbClr val="434343"/>
+                </a:solidFill>
+                <a:latin typeface="Calibri"/>
+                <a:ea typeface="Calibri"/>
+                <a:cs typeface="Calibri"/>
+                <a:sym typeface="Calibri"/>
+              </a:rPr>
+              <a:t>Prevention</a:t>
+            </a:r>
+            <a:endParaRPr sz="2400" dirty="0">
               <a:solidFill>
                 <a:srgbClr val="434343"/>
               </a:solidFill>
@@ -44684,7 +44804,7 @@
               <a:buChar char="●"/>
             </a:pPr>
             <a:r>
-              <a:rPr lang="en-US" sz="2400">
+              <a:rPr lang="en-US" sz="2400" dirty="0" smtClean="0">
                 <a:solidFill>
                   <a:srgbClr val="434343"/>
                 </a:solidFill>
@@ -44693,9 +44813,21 @@
                 <a:cs typeface="Calibri"/>
                 <a:sym typeface="Calibri"/>
               </a:rPr>
-              <a:t>Automated Tests</a:t>
+              <a:t>Improves </a:t>
             </a:r>
-            <a:endParaRPr sz="2400">
+            <a:r>
+              <a:rPr lang="en-US" sz="2400" dirty="0">
+                <a:solidFill>
+                  <a:srgbClr val="434343"/>
+                </a:solidFill>
+                <a:latin typeface="Calibri"/>
+                <a:ea typeface="Calibri"/>
+                <a:cs typeface="Calibri"/>
+                <a:sym typeface="Calibri"/>
+              </a:rPr>
+              <a:t>Teamwork</a:t>
+            </a:r>
+            <a:endParaRPr sz="2400" dirty="0">
               <a:solidFill>
                 <a:srgbClr val="434343"/>
               </a:solidFill>
@@ -44724,7 +44856,7 @@
               <a:buChar char="●"/>
             </a:pPr>
             <a:r>
-              <a:rPr lang="en-US" sz="2400">
+              <a:rPr lang="en-US" sz="2400" dirty="0">
                 <a:solidFill>
                   <a:srgbClr val="434343"/>
                 </a:solidFill>
@@ -44733,9 +44865,9 @@
                 <a:cs typeface="Calibri"/>
                 <a:sym typeface="Calibri"/>
               </a:rPr>
-              <a:t>Improves Teamwork</a:t>
+              <a:t>Inspires Confidence and is Fun</a:t>
             </a:r>
-            <a:endParaRPr sz="2400">
+            <a:endParaRPr sz="2400" dirty="0">
               <a:solidFill>
                 <a:srgbClr val="434343"/>
               </a:solidFill>
@@ -44764,7 +44896,7 @@
               <a:buChar char="●"/>
             </a:pPr>
             <a:r>
-              <a:rPr lang="en-US" sz="2400">
+              <a:rPr lang="en-US" sz="2400" dirty="0">
                 <a:solidFill>
                   <a:srgbClr val="434343"/>
                 </a:solidFill>
@@ -44773,9 +44905,65 @@
                 <a:cs typeface="Calibri"/>
                 <a:sym typeface="Calibri"/>
               </a:rPr>
-              <a:t>Inspires Confidence and is Fun</a:t>
+              <a:t>Time and Money </a:t>
             </a:r>
-            <a:endParaRPr sz="2400">
+            <a:r>
+              <a:rPr lang="en-US" sz="2400" dirty="0" smtClean="0">
+                <a:solidFill>
+                  <a:srgbClr val="434343"/>
+                </a:solidFill>
+                <a:latin typeface="Calibri"/>
+                <a:ea typeface="Calibri"/>
+                <a:cs typeface="Calibri"/>
+                <a:sym typeface="Calibri"/>
+              </a:rPr>
+              <a:t>Saving</a:t>
+            </a:r>
+          </a:p>
+          <a:p>
+            <a:pPr marL="457200" indent="-381000">
+              <a:lnSpc>
+                <a:spcPct val="200000"/>
+              </a:lnSpc>
+              <a:buClr>
+                <a:srgbClr val="434343"/>
+              </a:buClr>
+              <a:buSzPts val="2400"/>
+              <a:buFont typeface="Calibri"/>
+              <a:buChar char="●"/>
+            </a:pPr>
+            <a:r>
+              <a:rPr lang="en-US" sz="2400" dirty="0">
+                <a:solidFill>
+                  <a:srgbClr val="434343"/>
+                </a:solidFill>
+                <a:latin typeface="Calibri"/>
+                <a:ea typeface="Calibri"/>
+                <a:cs typeface="Calibri"/>
+                <a:sym typeface="Calibri"/>
+              </a:rPr>
+              <a:t>Automated Tests</a:t>
+            </a:r>
+          </a:p>
+          <a:p>
+            <a:pPr marL="457200" lvl="0" indent="-381000" algn="l" rtl="0">
+              <a:lnSpc>
+                <a:spcPct val="200000"/>
+              </a:lnSpc>
+              <a:spcBef>
+                <a:spcPts val="0"/>
+              </a:spcBef>
+              <a:spcAft>
+                <a:spcPts val="0"/>
+              </a:spcAft>
+              <a:buClr>
+                <a:srgbClr val="434343"/>
+              </a:buClr>
+              <a:buSzPts val="2400"/>
+              <a:buFont typeface="Calibri"/>
+              <a:buChar char="●"/>
+            </a:pPr>
+            <a:endParaRPr sz="2400" dirty="0">
               <a:solidFill>
                 <a:srgbClr val="434343"/>
               </a:solidFill>
@@ -44785,45 +44973,119 @@
               <a:sym typeface="Calibri"/>
             </a:endParaRPr>
           </a:p>
+        </p:txBody>
+      </p:sp>
+      <p:pic>
+        <p:nvPicPr>
+          <p:cNvPr id="1026" name="Picture 2" descr="Image result for testing pyramid"/>
+          <p:cNvPicPr>
+            <a:picLocks noChangeAspect="1" noChangeArrowheads="1"/>
+          </p:cNvPicPr>
+          <p:nvPr/>
+        </p:nvPicPr>
+        <p:blipFill>
+          <a:blip r:embed="rId3">
+            <a:extLst>
+              <a:ext uri="{28A0092B-C50C-407E-A947-70E740481C1C}">
+                <a14:useLocalDpi xmlns:a14="http://schemas.microsoft.com/office/drawing/2010/main" val="0"/>
+              </a:ext>
+            </a:extLst>
+          </a:blip>
+          <a:srcRect/>
+          <a:stretch>
+            <a:fillRect/>
+          </a:stretch>
+        </p:blipFill>
+        <p:spPr bwMode="auto">
+          <a:xfrm>
+            <a:off x="5101647" y="3132003"/>
+            <a:ext cx="3612861" cy="2709646"/>
+          </a:xfrm>
+          <a:prstGeom prst="rect">
+            <a:avLst/>
+          </a:prstGeom>
+          <a:noFill/>
+          <a:extLst>
+            <a:ext uri="{909E8E84-426E-40DD-AFC4-6F175D3DCCD1}">
+              <a14:hiddenFill xmlns:a14="http://schemas.microsoft.com/office/drawing/2010/main">
+                <a:solidFill>
+                  <a:srgbClr val="FFFFFF"/>
+                </a:solidFill>
+              </a14:hiddenFill>
+            </a:ext>
+          </a:extLst>
+        </p:spPr>
+      </p:pic>
+      <p:sp>
+        <p:nvSpPr>
+          <p:cNvPr id="2" name="Rectangle 1"/>
+          <p:cNvSpPr/>
+          <p:nvPr/>
+        </p:nvSpPr>
+        <p:spPr>
+          <a:xfrm>
+            <a:off x="4435191" y="5991278"/>
+            <a:ext cx="4572000" cy="215444"/>
+          </a:xfrm>
+          <a:prstGeom prst="rect">
+            <a:avLst/>
+          </a:prstGeom>
+        </p:spPr>
+        <p:txBody>
+          <a:bodyPr>
+            <a:spAutoFit/>
+          </a:bodyPr>
+          <a:lstStyle/>
           <a:p>
-            <a:pPr marL="457200" lvl="0" indent="-381000" algn="l" rtl="0">
-              <a:lnSpc>
-                <a:spcPct val="200000"/>
-              </a:lnSpc>
-              <a:spcBef>
-                <a:spcPts val="0"/>
-              </a:spcBef>
-              <a:spcAft>
-                <a:spcPts val="0"/>
-              </a:spcAft>
-              <a:buClr>
-                <a:srgbClr val="434343"/>
-              </a:buClr>
-              <a:buSzPts val="2400"/>
-              <a:buFont typeface="Calibri"/>
-              <a:buChar char="●"/>
-            </a:pPr>
             <a:r>
-              <a:rPr lang="en-US" sz="2400">
-                <a:solidFill>
-                  <a:srgbClr val="434343"/>
-                </a:solidFill>
-                <a:latin typeface="Calibri"/>
-                <a:ea typeface="Calibri"/>
-                <a:cs typeface="Calibri"/>
-                <a:sym typeface="Calibri"/>
+              <a:rPr lang="en-US" sz="800" dirty="0"/>
+              <a:t>https://medium.com/android-testing-daily/the-3-tiers-of-the-android-test-pyramid-c1211b359acd</a:t>
+            </a:r>
+          </a:p>
+        </p:txBody>
+      </p:sp>
+      <p:sp>
+        <p:nvSpPr>
+          <p:cNvPr id="3" name="Rectangle 2"/>
+          <p:cNvSpPr/>
+          <p:nvPr/>
+        </p:nvSpPr>
+        <p:spPr>
+          <a:xfrm>
+            <a:off x="7356058" y="2978113"/>
+            <a:ext cx="1276311" cy="338554"/>
+          </a:xfrm>
+          <a:prstGeom prst="rect">
+            <a:avLst/>
+          </a:prstGeom>
+        </p:spPr>
+        <p:txBody>
+          <a:bodyPr wrap="none">
+            <a:spAutoFit/>
+          </a:bodyPr>
+          <a:lstStyle/>
+          <a:p>
+            <a:r>
+              <a:rPr lang="en-US" sz="1600" dirty="0">
+                <a:latin typeface="Times New Roman" panose="02020603050405020304" pitchFamily="18" charset="0"/>
+                <a:cs typeface="Times New Roman" panose="02020603050405020304" pitchFamily="18" charset="0"/>
               </a:rPr>
-              <a:t>Time and Money Saving</a:t>
+              <a:t>T</a:t>
             </a:r>
-            <a:endParaRPr sz="2400">
-              <a:solidFill>
-                <a:srgbClr val="434343"/>
-              </a:solidFill>
-              <a:latin typeface="Calibri"/>
-              <a:ea typeface="Calibri"/>
-              <a:cs typeface="Calibri"/>
-              <a:sym typeface="Calibri"/>
-            </a:endParaRPr>
+            <a:r>
+              <a:rPr lang="en-US" sz="1600" dirty="0" smtClean="0">
+                <a:latin typeface="Times New Roman" panose="02020603050405020304" pitchFamily="18" charset="0"/>
+                <a:cs typeface="Times New Roman" panose="02020603050405020304" pitchFamily="18" charset="0"/>
+              </a:rPr>
+              <a:t>est</a:t>
+            </a:r>
+            <a:r>
+              <a:rPr lang="en-US" sz="1600" dirty="0">
+                <a:latin typeface="Times New Roman" panose="02020603050405020304" pitchFamily="18" charset="0"/>
+                <a:cs typeface="Times New Roman" panose="02020603050405020304" pitchFamily="18" charset="0"/>
+              </a:rPr>
+              <a:t> pyramid</a:t>
+            </a:r>
           </a:p>
         </p:txBody>
       </p:sp>
